--- a/how2heap/tcache_stashing_unlink_attack/tcache_stashing_unlink_attack.pptx
+++ b/how2heap/tcache_stashing_unlink_attack/tcache_stashing_unlink_attack.pptx
@@ -13,7 +13,7 @@
     <p:sldId id="269" r:id="rId7"/>
     <p:sldId id="270" r:id="rId8"/>
     <p:sldId id="271" r:id="rId9"/>
-    <p:sldId id="272" r:id="rId10"/>
+    <p:sldId id="279" r:id="rId10"/>
     <p:sldId id="273" r:id="rId11"/>
     <p:sldId id="274" r:id="rId12"/>
     <p:sldId id="275" r:id="rId13"/>
@@ -257,7 +257,7 @@
           <a:p>
             <a:fld id="{867CF7D2-9367-45E5-B2E7-A967028F5BE8}" type="datetimeFigureOut">
               <a:rPr lang="zh-CN" altLang="en-US" smtClean="0"/>
-              <a:t>2025/5/16</a:t>
+              <a:t>2025/5/27</a:t>
             </a:fld>
             <a:endParaRPr lang="zh-CN" altLang="en-US"/>
           </a:p>
@@ -427,7 +427,7 @@
           <a:p>
             <a:fld id="{867CF7D2-9367-45E5-B2E7-A967028F5BE8}" type="datetimeFigureOut">
               <a:rPr lang="zh-CN" altLang="en-US" smtClean="0"/>
-              <a:t>2025/5/16</a:t>
+              <a:t>2025/5/27</a:t>
             </a:fld>
             <a:endParaRPr lang="zh-CN" altLang="en-US"/>
           </a:p>
@@ -607,7 +607,7 @@
           <a:p>
             <a:fld id="{867CF7D2-9367-45E5-B2E7-A967028F5BE8}" type="datetimeFigureOut">
               <a:rPr lang="zh-CN" altLang="en-US" smtClean="0"/>
-              <a:t>2025/5/16</a:t>
+              <a:t>2025/5/27</a:t>
             </a:fld>
             <a:endParaRPr lang="zh-CN" altLang="en-US"/>
           </a:p>
@@ -777,7 +777,7 @@
           <a:p>
             <a:fld id="{867CF7D2-9367-45E5-B2E7-A967028F5BE8}" type="datetimeFigureOut">
               <a:rPr lang="zh-CN" altLang="en-US" smtClean="0"/>
-              <a:t>2025/5/16</a:t>
+              <a:t>2025/5/27</a:t>
             </a:fld>
             <a:endParaRPr lang="zh-CN" altLang="en-US"/>
           </a:p>
@@ -1023,7 +1023,7 @@
           <a:p>
             <a:fld id="{867CF7D2-9367-45E5-B2E7-A967028F5BE8}" type="datetimeFigureOut">
               <a:rPr lang="zh-CN" altLang="en-US" smtClean="0"/>
-              <a:t>2025/5/16</a:t>
+              <a:t>2025/5/27</a:t>
             </a:fld>
             <a:endParaRPr lang="zh-CN" altLang="en-US"/>
           </a:p>
@@ -1255,7 +1255,7 @@
           <a:p>
             <a:fld id="{867CF7D2-9367-45E5-B2E7-A967028F5BE8}" type="datetimeFigureOut">
               <a:rPr lang="zh-CN" altLang="en-US" smtClean="0"/>
-              <a:t>2025/5/16</a:t>
+              <a:t>2025/5/27</a:t>
             </a:fld>
             <a:endParaRPr lang="zh-CN" altLang="en-US"/>
           </a:p>
@@ -1622,7 +1622,7 @@
           <a:p>
             <a:fld id="{867CF7D2-9367-45E5-B2E7-A967028F5BE8}" type="datetimeFigureOut">
               <a:rPr lang="zh-CN" altLang="en-US" smtClean="0"/>
-              <a:t>2025/5/16</a:t>
+              <a:t>2025/5/27</a:t>
             </a:fld>
             <a:endParaRPr lang="zh-CN" altLang="en-US"/>
           </a:p>
@@ -1740,7 +1740,7 @@
           <a:p>
             <a:fld id="{867CF7D2-9367-45E5-B2E7-A967028F5BE8}" type="datetimeFigureOut">
               <a:rPr lang="zh-CN" altLang="en-US" smtClean="0"/>
-              <a:t>2025/5/16</a:t>
+              <a:t>2025/5/27</a:t>
             </a:fld>
             <a:endParaRPr lang="zh-CN" altLang="en-US"/>
           </a:p>
@@ -1835,7 +1835,7 @@
           <a:p>
             <a:fld id="{867CF7D2-9367-45E5-B2E7-A967028F5BE8}" type="datetimeFigureOut">
               <a:rPr lang="zh-CN" altLang="en-US" smtClean="0"/>
-              <a:t>2025/5/16</a:t>
+              <a:t>2025/5/27</a:t>
             </a:fld>
             <a:endParaRPr lang="zh-CN" altLang="en-US"/>
           </a:p>
@@ -2112,7 +2112,7 @@
           <a:p>
             <a:fld id="{867CF7D2-9367-45E5-B2E7-A967028F5BE8}" type="datetimeFigureOut">
               <a:rPr lang="zh-CN" altLang="en-US" smtClean="0"/>
-              <a:t>2025/5/16</a:t>
+              <a:t>2025/5/27</a:t>
             </a:fld>
             <a:endParaRPr lang="zh-CN" altLang="en-US"/>
           </a:p>
@@ -2365,7 +2365,7 @@
           <a:p>
             <a:fld id="{867CF7D2-9367-45E5-B2E7-A967028F5BE8}" type="datetimeFigureOut">
               <a:rPr lang="zh-CN" altLang="en-US" smtClean="0"/>
-              <a:t>2025/5/16</a:t>
+              <a:t>2025/5/27</a:t>
             </a:fld>
             <a:endParaRPr lang="zh-CN" altLang="en-US"/>
           </a:p>
@@ -2578,7 +2578,7 @@
           <a:p>
             <a:fld id="{867CF7D2-9367-45E5-B2E7-A967028F5BE8}" type="datetimeFigureOut">
               <a:rPr lang="zh-CN" altLang="en-US" smtClean="0"/>
-              <a:t>2025/5/16</a:t>
+              <a:t>2025/5/27</a:t>
             </a:fld>
             <a:endParaRPr lang="zh-CN" altLang="en-US"/>
           </a:p>
@@ -3923,7 +3923,7 @@
       </p:grpSpPr>
       <p:pic>
         <p:nvPicPr>
-          <p:cNvPr id="2" name="图片 1"/>
+          <p:cNvPr id="6" name="图片 5"/>
           <p:cNvPicPr>
             <a:picLocks noChangeAspect="1"/>
           </p:cNvPicPr>
@@ -3944,7 +3944,7 @@
         <p:spPr>
           <a:xfrm>
             <a:off x="0" y="0"/>
-            <a:ext cx="11536385" cy="5963482"/>
+            <a:ext cx="11536385" cy="6001588"/>
           </a:xfrm>
           <a:prstGeom prst="rect">
             <a:avLst/>
@@ -3954,7 +3954,7 @@
     </p:spTree>
     <p:extLst>
       <p:ext uri="{BB962C8B-B14F-4D97-AF65-F5344CB8AC3E}">
-        <p14:creationId xmlns:p14="http://schemas.microsoft.com/office/powerpoint/2010/main" val="2091178742"/>
+        <p14:creationId xmlns:p14="http://schemas.microsoft.com/office/powerpoint/2010/main" val="3846015725"/>
       </p:ext>
     </p:extLst>
   </p:cSld>
